--- a/박지은, 유민경.pptx
+++ b/박지은, 유민경.pptx
@@ -3274,6 +3274,36 @@
               <a:t>?</a:t>
             </a:r>
           </a:p>
+          <a:p>
+            <a:endParaRPr lang="en-US" altLang="ko-KR" dirty="0"/>
+          </a:p>
+          <a:p>
+            <a:r>
+              <a:rPr lang="ko-KR" altLang="en-US" dirty="0" smtClean="0"/>
+              <a:t>감독의 </a:t>
+            </a:r>
+            <a:r>
+              <a:rPr lang="ko-KR" altLang="en-US" dirty="0" err="1" smtClean="0"/>
+              <a:t>전작품</a:t>
+            </a:r>
+            <a:r>
+              <a:rPr lang="ko-KR" altLang="en-US" dirty="0" smtClean="0"/>
+              <a:t> 평균 평점이 </a:t>
+            </a:r>
+            <a:r>
+              <a:rPr lang="en-US" altLang="ko-KR" dirty="0" smtClean="0"/>
+              <a:t>7</a:t>
+            </a:r>
+            <a:r>
+              <a:rPr lang="ko-KR" altLang="en-US" dirty="0" smtClean="0"/>
+              <a:t>점 이상인가</a:t>
+            </a:r>
+            <a:r>
+              <a:rPr lang="en-US" altLang="ko-KR" smtClean="0"/>
+              <a:t>?</a:t>
+            </a:r>
+            <a:endParaRPr lang="en-US" altLang="ko-KR" dirty="0" smtClean="0"/>
+          </a:p>
         </p:txBody>
       </p:sp>
     </p:spTree>
